--- a/Hotel bookings.pptx
+++ b/Hotel bookings.pptx
@@ -5,7 +5,7 @@
     <p:sldMasterId id="2147483696" r:id="rId1"/>
   </p:sldMasterIdLst>
   <p:notesMasterIdLst>
-    <p:notesMasterId r:id="rId37"/>
+    <p:notesMasterId r:id="rId35"/>
   </p:notesMasterIdLst>
   <p:sldIdLst>
     <p:sldId id="256" r:id="rId2"/>
@@ -30,19 +30,17 @@
     <p:sldId id="282" r:id="rId21"/>
     <p:sldId id="281" r:id="rId22"/>
     <p:sldId id="285" r:id="rId23"/>
-    <p:sldId id="286" r:id="rId24"/>
-    <p:sldId id="287" r:id="rId25"/>
-    <p:sldId id="288" r:id="rId26"/>
-    <p:sldId id="289" r:id="rId27"/>
-    <p:sldId id="290" r:id="rId28"/>
-    <p:sldId id="291" r:id="rId29"/>
+    <p:sldId id="294" r:id="rId24"/>
+    <p:sldId id="286" r:id="rId25"/>
+    <p:sldId id="290" r:id="rId26"/>
+    <p:sldId id="291" r:id="rId27"/>
+    <p:sldId id="293" r:id="rId28"/>
+    <p:sldId id="289" r:id="rId29"/>
     <p:sldId id="292" r:id="rId30"/>
-    <p:sldId id="276" r:id="rId31"/>
+    <p:sldId id="280" r:id="rId31"/>
     <p:sldId id="277" r:id="rId32"/>
     <p:sldId id="278" r:id="rId33"/>
-    <p:sldId id="279" r:id="rId34"/>
-    <p:sldId id="280" r:id="rId35"/>
-    <p:sldId id="264" r:id="rId36"/>
+    <p:sldId id="264" r:id="rId34"/>
   </p:sldIdLst>
   <p:sldSz cx="12192000" cy="6858000"/>
   <p:notesSz cx="6858000" cy="9144000"/>
@@ -921,7 +919,7 @@
           <a:p>
             <a:fld id="{63787753-DB0A-4FEF-A5D0-22798A4D1E74}" type="slidenum">
               <a:rPr lang="en-GB" smtClean="0"/>
-              <a:t>35</a:t>
+              <a:t>33</a:t>
             </a:fld>
             <a:endParaRPr lang="en-GB"/>
           </a:p>
@@ -3493,7 +3491,7 @@
           <p:nvPr userDrawn="1">
             <p:extLst>
               <p:ext uri="{1162E1C5-73C7-4A58-AE30-91384D911F3F}">
-                <p184:classification xmlns:p184="http://schemas.microsoft.com/office/powerpoint/2018/4/main" val="hdr"/>
+                <p184:classification xmlns:p184="http://schemas.microsoft.com/office/powerpoint/2018/4/main" xmlns="" val="hdr"/>
               </p:ext>
             </p:extLst>
           </p:nvPr>
@@ -3865,7 +3863,7 @@
                 <a16:creationId xmlns:a16="http://schemas.microsoft.com/office/drawing/2014/main" id="{9089EED9-F54D-4F20-A2C6-949DE4176959}"/>
               </a:ext>
               <a:ext uri="{C183D7F6-B498-43B3-948B-1728B52AA6E4}">
-                <adec:decorative xmlns:adec="http://schemas.microsoft.com/office/drawing/2017/decorative" val="1"/>
+                <adec:decorative xmlns:adec="http://schemas.microsoft.com/office/drawing/2017/decorative" xmlns="" val="1"/>
               </a:ext>
             </a:extLst>
           </p:cNvPr>
@@ -3941,7 +3939,7 @@
                 <a16:creationId xmlns:a16="http://schemas.microsoft.com/office/drawing/2014/main" id="{7E46F721-3785-414D-8697-16AF490E6806}"/>
               </a:ext>
               <a:ext uri="{C183D7F6-B498-43B3-948B-1728B52AA6E4}">
-                <adec:decorative xmlns:adec="http://schemas.microsoft.com/office/drawing/2017/decorative" val="1"/>
+                <adec:decorative xmlns:adec="http://schemas.microsoft.com/office/drawing/2017/decorative" xmlns="" val="1"/>
               </a:ext>
             </a:extLst>
           </p:cNvPr>
@@ -5537,7 +5535,7 @@
                 <a16:creationId xmlns:a16="http://schemas.microsoft.com/office/drawing/2014/main" id="{9089EED9-F54D-4F20-A2C6-949DE4176959}"/>
               </a:ext>
               <a:ext uri="{C183D7F6-B498-43B3-948B-1728B52AA6E4}">
-                <adec:decorative xmlns:adec="http://schemas.microsoft.com/office/drawing/2017/decorative" val="1"/>
+                <adec:decorative xmlns:adec="http://schemas.microsoft.com/office/drawing/2017/decorative" xmlns="" val="1"/>
               </a:ext>
             </a:extLst>
           </p:cNvPr>
@@ -5613,7 +5611,7 @@
                 <a16:creationId xmlns:a16="http://schemas.microsoft.com/office/drawing/2014/main" id="{7E46F721-3785-414D-8697-16AF490E6806}"/>
               </a:ext>
               <a:ext uri="{C183D7F6-B498-43B3-948B-1728B52AA6E4}">
-                <adec:decorative xmlns:adec="http://schemas.microsoft.com/office/drawing/2017/decorative" val="1"/>
+                <adec:decorative xmlns:adec="http://schemas.microsoft.com/office/drawing/2017/decorative" xmlns="" val="1"/>
               </a:ext>
             </a:extLst>
           </p:cNvPr>
@@ -5723,6 +5721,17 @@
                 </a:solidFill>
               </a:rPr>
             </a:br>
+            <a:r>
+              <a:rPr lang="en-US" sz="3600" dirty="0">
+                <a:solidFill>
+                  <a:schemeClr val="tx1">
+                    <a:lumMod val="85000"/>
+                    <a:lumOff val="15000"/>
+                  </a:schemeClr>
+                </a:solidFill>
+              </a:rPr>
+              <a:t/>
+            </a:r>
             <a:br>
               <a:rPr lang="en-US" sz="3600" dirty="0">
                 <a:solidFill>
@@ -5733,6 +5742,17 @@
                 </a:solidFill>
               </a:rPr>
             </a:br>
+            <a:r>
+              <a:rPr lang="en-US" sz="3600" dirty="0">
+                <a:solidFill>
+                  <a:schemeClr val="tx1">
+                    <a:lumMod val="85000"/>
+                    <a:lumOff val="15000"/>
+                  </a:schemeClr>
+                </a:solidFill>
+              </a:rPr>
+              <a:t/>
+            </a:r>
             <a:br>
               <a:rPr lang="en-US" sz="3600" dirty="0">
                 <a:solidFill>
@@ -7004,7 +7024,7 @@
                 <a16:creationId xmlns:a16="http://schemas.microsoft.com/office/drawing/2014/main" id="{3C54F4CE-85F0-46ED-80DA-9518C9251AD1}"/>
               </a:ext>
               <a:ext uri="{C183D7F6-B498-43B3-948B-1728B52AA6E4}">
-                <adec:decorative xmlns:adec="http://schemas.microsoft.com/office/drawing/2017/decorative" val="1"/>
+                <adec:decorative xmlns:adec="http://schemas.microsoft.com/office/drawing/2017/decorative" xmlns="" val="1"/>
               </a:ext>
             </a:extLst>
           </p:cNvPr>
@@ -7080,7 +7100,7 @@
                 <a16:creationId xmlns:a16="http://schemas.microsoft.com/office/drawing/2014/main" id="{DADD1FCA-8ACB-4958-81DD-4CDD6D3E1921}"/>
               </a:ext>
               <a:ext uri="{C183D7F6-B498-43B3-948B-1728B52AA6E4}">
-                <adec:decorative xmlns:adec="http://schemas.microsoft.com/office/drawing/2017/decorative" val="1"/>
+                <adec:decorative xmlns:adec="http://schemas.microsoft.com/office/drawing/2017/decorative" xmlns="" val="1"/>
               </a:ext>
             </a:extLst>
           </p:cNvPr>
@@ -9651,6 +9671,17 @@
                 <a:cs typeface="+mj-cs"/>
               </a:rPr>
             </a:br>
+            <a:r>
+              <a:rPr lang="en-US" kern="1200" dirty="0">
+                <a:solidFill>
+                  <a:schemeClr val="tx1"/>
+                </a:solidFill>
+                <a:latin typeface="+mj-lt"/>
+                <a:ea typeface="+mj-ea"/>
+                <a:cs typeface="+mj-cs"/>
+              </a:rPr>
+              <a:t/>
+            </a:r>
             <a:br>
               <a:rPr lang="en-US" kern="1200" dirty="0">
                 <a:solidFill>
@@ -9661,6 +9692,17 @@
                 <a:cs typeface="+mj-cs"/>
               </a:rPr>
             </a:br>
+            <a:r>
+              <a:rPr lang="en-US" kern="1200" dirty="0">
+                <a:solidFill>
+                  <a:schemeClr val="tx1"/>
+                </a:solidFill>
+                <a:latin typeface="+mj-lt"/>
+                <a:ea typeface="+mj-ea"/>
+                <a:cs typeface="+mj-cs"/>
+              </a:rPr>
+              <a:t/>
+            </a:r>
             <a:br>
               <a:rPr lang="en-US" kern="1200" dirty="0">
                 <a:solidFill>
@@ -9761,7 +9803,7 @@
                 <a16:creationId xmlns:a16="http://schemas.microsoft.com/office/drawing/2014/main" id="{3C54F4CE-85F0-46ED-80DA-9518C9251AD1}"/>
               </a:ext>
               <a:ext uri="{C183D7F6-B498-43B3-948B-1728B52AA6E4}">
-                <adec:decorative xmlns:adec="http://schemas.microsoft.com/office/drawing/2017/decorative" val="1"/>
+                <adec:decorative xmlns:adec="http://schemas.microsoft.com/office/drawing/2017/decorative" xmlns="" val="1"/>
               </a:ext>
             </a:extLst>
           </p:cNvPr>
@@ -9837,7 +9879,7 @@
                 <a16:creationId xmlns:a16="http://schemas.microsoft.com/office/drawing/2014/main" id="{DADD1FCA-8ACB-4958-81DD-4CDD6D3E1921}"/>
               </a:ext>
               <a:ext uri="{C183D7F6-B498-43B3-948B-1728B52AA6E4}">
-                <adec:decorative xmlns:adec="http://schemas.microsoft.com/office/drawing/2017/decorative" val="1"/>
+                <adec:decorative xmlns:adec="http://schemas.microsoft.com/office/drawing/2017/decorative" xmlns="" val="1"/>
               </a:ext>
             </a:extLst>
           </p:cNvPr>
@@ -12583,7 +12625,7 @@
                 <a16:creationId xmlns:a16="http://schemas.microsoft.com/office/drawing/2014/main" id="{3C54F4CE-85F0-46ED-80DA-9518C9251AD1}"/>
               </a:ext>
               <a:ext uri="{C183D7F6-B498-43B3-948B-1728B52AA6E4}">
-                <adec:decorative xmlns:adec="http://schemas.microsoft.com/office/drawing/2017/decorative" val="1"/>
+                <adec:decorative xmlns:adec="http://schemas.microsoft.com/office/drawing/2017/decorative" xmlns="" val="1"/>
               </a:ext>
             </a:extLst>
           </p:cNvPr>
@@ -12659,7 +12701,7 @@
                 <a16:creationId xmlns:a16="http://schemas.microsoft.com/office/drawing/2014/main" id="{DADD1FCA-8ACB-4958-81DD-4CDD6D3E1921}"/>
               </a:ext>
               <a:ext uri="{C183D7F6-B498-43B3-948B-1728B52AA6E4}">
-                <adec:decorative xmlns:adec="http://schemas.microsoft.com/office/drawing/2017/decorative" val="1"/>
+                <adec:decorative xmlns:adec="http://schemas.microsoft.com/office/drawing/2017/decorative" xmlns="" val="1"/>
               </a:ext>
             </a:extLst>
           </p:cNvPr>
@@ -15433,7 +15475,7 @@
                 <a16:creationId xmlns:a16="http://schemas.microsoft.com/office/drawing/2014/main" id="{3C54F4CE-85F0-46ED-80DA-9518C9251AD1}"/>
               </a:ext>
               <a:ext uri="{C183D7F6-B498-43B3-948B-1728B52AA6E4}">
-                <adec:decorative xmlns:adec="http://schemas.microsoft.com/office/drawing/2017/decorative" val="1"/>
+                <adec:decorative xmlns:adec="http://schemas.microsoft.com/office/drawing/2017/decorative" xmlns="" val="1"/>
               </a:ext>
             </a:extLst>
           </p:cNvPr>
@@ -15509,7 +15551,7 @@
                 <a16:creationId xmlns:a16="http://schemas.microsoft.com/office/drawing/2014/main" id="{DADD1FCA-8ACB-4958-81DD-4CDD6D3E1921}"/>
               </a:ext>
               <a:ext uri="{C183D7F6-B498-43B3-948B-1728B52AA6E4}">
-                <adec:decorative xmlns:adec="http://schemas.microsoft.com/office/drawing/2017/decorative" val="1"/>
+                <adec:decorative xmlns:adec="http://schemas.microsoft.com/office/drawing/2017/decorative" xmlns="" val="1"/>
               </a:ext>
             </a:extLst>
           </p:cNvPr>
@@ -18436,7 +18478,7 @@
                 <a16:creationId xmlns:a16="http://schemas.microsoft.com/office/drawing/2014/main" id="{3C54F4CE-85F0-46ED-80DA-9518C9251AD1}"/>
               </a:ext>
               <a:ext uri="{C183D7F6-B498-43B3-948B-1728B52AA6E4}">
-                <adec:decorative xmlns:adec="http://schemas.microsoft.com/office/drawing/2017/decorative" val="1"/>
+                <adec:decorative xmlns:adec="http://schemas.microsoft.com/office/drawing/2017/decorative" xmlns="" val="1"/>
               </a:ext>
             </a:extLst>
           </p:cNvPr>
@@ -18512,7 +18554,7 @@
                 <a16:creationId xmlns:a16="http://schemas.microsoft.com/office/drawing/2014/main" id="{DADD1FCA-8ACB-4958-81DD-4CDD6D3E1921}"/>
               </a:ext>
               <a:ext uri="{C183D7F6-B498-43B3-948B-1728B52AA6E4}">
-                <adec:decorative xmlns:adec="http://schemas.microsoft.com/office/drawing/2017/decorative" val="1"/>
+                <adec:decorative xmlns:adec="http://schemas.microsoft.com/office/drawing/2017/decorative" xmlns="" val="1"/>
               </a:ext>
             </a:extLst>
           </p:cNvPr>
@@ -21253,7 +21295,7 @@
                 <a16:creationId xmlns:a16="http://schemas.microsoft.com/office/drawing/2014/main" id="{3C54F4CE-85F0-46ED-80DA-9518C9251AD1}"/>
               </a:ext>
               <a:ext uri="{C183D7F6-B498-43B3-948B-1728B52AA6E4}">
-                <adec:decorative xmlns:adec="http://schemas.microsoft.com/office/drawing/2017/decorative" val="1"/>
+                <adec:decorative xmlns:adec="http://schemas.microsoft.com/office/drawing/2017/decorative" xmlns="" val="1"/>
               </a:ext>
             </a:extLst>
           </p:cNvPr>
@@ -21358,7 +21400,7 @@
                 <a16:creationId xmlns:a16="http://schemas.microsoft.com/office/drawing/2014/main" id="{DADD1FCA-8ACB-4958-81DD-4CDD6D3E1921}"/>
               </a:ext>
               <a:ext uri="{C183D7F6-B498-43B3-948B-1728B52AA6E4}">
-                <adec:decorative xmlns:adec="http://schemas.microsoft.com/office/drawing/2017/decorative" val="1"/>
+                <adec:decorative xmlns:adec="http://schemas.microsoft.com/office/drawing/2017/decorative" xmlns="" val="1"/>
               </a:ext>
             </a:extLst>
           </p:cNvPr>
@@ -23958,6 +24000,17 @@
                 <a:cs typeface="+mj-cs"/>
               </a:rPr>
             </a:br>
+            <a:r>
+              <a:rPr lang="en-US" kern="1200" dirty="0">
+                <a:solidFill>
+                  <a:schemeClr val="tx1"/>
+                </a:solidFill>
+                <a:latin typeface="+mj-lt"/>
+                <a:ea typeface="+mj-ea"/>
+                <a:cs typeface="+mj-cs"/>
+              </a:rPr>
+              <a:t/>
+            </a:r>
             <a:br>
               <a:rPr lang="en-US" kern="1200" dirty="0">
                 <a:solidFill>
@@ -23968,6 +24021,17 @@
                 <a:cs typeface="+mj-cs"/>
               </a:rPr>
             </a:br>
+            <a:r>
+              <a:rPr lang="en-US" kern="1200" dirty="0">
+                <a:solidFill>
+                  <a:schemeClr val="tx1"/>
+                </a:solidFill>
+                <a:latin typeface="+mj-lt"/>
+                <a:ea typeface="+mj-ea"/>
+                <a:cs typeface="+mj-cs"/>
+              </a:rPr>
+              <a:t/>
+            </a:r>
             <a:br>
               <a:rPr lang="en-US" kern="1200" dirty="0">
                 <a:solidFill>
@@ -24200,7 +24264,7 @@
                 <a16:creationId xmlns:a16="http://schemas.microsoft.com/office/drawing/2014/main" id="{9089EED9-F54D-4F20-A2C6-949DE4176959}"/>
               </a:ext>
               <a:ext uri="{C183D7F6-B498-43B3-948B-1728B52AA6E4}">
-                <adec:decorative xmlns:adec="http://schemas.microsoft.com/office/drawing/2017/decorative" val="1"/>
+                <adec:decorative xmlns:adec="http://schemas.microsoft.com/office/drawing/2017/decorative" xmlns="" val="1"/>
               </a:ext>
             </a:extLst>
           </p:cNvPr>
@@ -24276,7 +24340,7 @@
                 <a16:creationId xmlns:a16="http://schemas.microsoft.com/office/drawing/2014/main" id="{7E46F721-3785-414D-8697-16AF490E6806}"/>
               </a:ext>
               <a:ext uri="{C183D7F6-B498-43B3-948B-1728B52AA6E4}">
-                <adec:decorative xmlns:adec="http://schemas.microsoft.com/office/drawing/2017/decorative" val="1"/>
+                <adec:decorative xmlns:adec="http://schemas.microsoft.com/office/drawing/2017/decorative" xmlns="" val="1"/>
               </a:ext>
             </a:extLst>
           </p:cNvPr>
@@ -26107,7 +26171,7 @@
                 <a16:creationId xmlns:a16="http://schemas.microsoft.com/office/drawing/2014/main" id="{9089EED9-F54D-4F20-A2C6-949DE4176959}"/>
               </a:ext>
               <a:ext uri="{C183D7F6-B498-43B3-948B-1728B52AA6E4}">
-                <adec:decorative xmlns:adec="http://schemas.microsoft.com/office/drawing/2017/decorative" val="1"/>
+                <adec:decorative xmlns:adec="http://schemas.microsoft.com/office/drawing/2017/decorative" xmlns="" val="1"/>
               </a:ext>
             </a:extLst>
           </p:cNvPr>
@@ -26212,7 +26276,7 @@
                 <a16:creationId xmlns:a16="http://schemas.microsoft.com/office/drawing/2014/main" id="{7E46F721-3785-414D-8697-16AF490E6806}"/>
               </a:ext>
               <a:ext uri="{C183D7F6-B498-43B3-948B-1728B52AA6E4}">
-                <adec:decorative xmlns:adec="http://schemas.microsoft.com/office/drawing/2017/decorative" val="1"/>
+                <adec:decorative xmlns:adec="http://schemas.microsoft.com/office/drawing/2017/decorative" xmlns="" val="1"/>
               </a:ext>
             </a:extLst>
           </p:cNvPr>
@@ -26351,6 +26415,17 @@
                 </a:solidFill>
               </a:rPr>
             </a:br>
+            <a:r>
+              <a:rPr lang="en-US" sz="3600" dirty="0">
+                <a:solidFill>
+                  <a:schemeClr val="tx1">
+                    <a:lumMod val="85000"/>
+                    <a:lumOff val="15000"/>
+                  </a:schemeClr>
+                </a:solidFill>
+              </a:rPr>
+              <a:t/>
+            </a:r>
             <a:br>
               <a:rPr lang="en-US" sz="3600" dirty="0">
                 <a:solidFill>
@@ -26361,6 +26436,17 @@
                 </a:solidFill>
               </a:rPr>
             </a:br>
+            <a:r>
+              <a:rPr lang="en-US" sz="3600" dirty="0">
+                <a:solidFill>
+                  <a:schemeClr val="tx1">
+                    <a:lumMod val="85000"/>
+                    <a:lumOff val="15000"/>
+                  </a:schemeClr>
+                </a:solidFill>
+              </a:rPr>
+              <a:t/>
+            </a:r>
             <a:br>
               <a:rPr lang="en-US" sz="3600" dirty="0">
                 <a:solidFill>
@@ -27602,6 +27688,106 @@
 <file path=ppt/slides/slide23.xml><?xml version="1.0" encoding="utf-8"?>
 <p:sld xmlns:a="http://schemas.openxmlformats.org/drawingml/2006/main" xmlns:r="http://schemas.openxmlformats.org/officeDocument/2006/relationships" xmlns:p="http://schemas.openxmlformats.org/presentationml/2006/main">
   <p:cSld>
+    <p:bg>
+      <p:bgPr>
+        <a:blipFill>
+          <a:blip r:embed="rId2"/>
+          <a:tile tx="0" ty="0" sx="100000" sy="100000" flip="none" algn="tl"/>
+        </a:blipFill>
+        <a:effectLst/>
+      </p:bgPr>
+    </p:bg>
+    <p:spTree>
+      <p:nvGrpSpPr>
+        <p:cNvPr id="1" name=""/>
+        <p:cNvGrpSpPr/>
+        <p:nvPr/>
+      </p:nvGrpSpPr>
+      <p:grpSpPr>
+        <a:xfrm>
+          <a:off x="0" y="0"/>
+          <a:ext cx="0" cy="0"/>
+          <a:chOff x="0" y="0"/>
+          <a:chExt cx="0" cy="0"/>
+        </a:xfrm>
+      </p:grpSpPr>
+      <p:sp>
+        <p:nvSpPr>
+          <p:cNvPr id="2" name="Rectangle 1"/>
+          <p:cNvSpPr/>
+          <p:nvPr/>
+        </p:nvSpPr>
+        <p:spPr>
+          <a:xfrm>
+            <a:off x="5017927" y="2443460"/>
+            <a:ext cx="2613344" cy="923330"/>
+          </a:xfrm>
+          <a:prstGeom prst="rect">
+            <a:avLst/>
+          </a:prstGeom>
+          <a:noFill/>
+        </p:spPr>
+        <p:txBody>
+          <a:bodyPr wrap="none" lIns="91440" tIns="45720" rIns="91440" bIns="45720">
+            <a:spAutoFit/>
+          </a:bodyPr>
+          <a:lstStyle/>
+          <a:p>
+            <a:pPr algn="ctr"/>
+            <a:r>
+              <a:rPr lang="en-US" sz="5400" dirty="0" smtClean="0">
+                <a:ln w="0"/>
+                <a:effectLst>
+                  <a:outerShdw blurRad="38100" dist="19050" dir="2700000" algn="tl" rotWithShape="0">
+                    <a:schemeClr val="dk1">
+                      <a:alpha val="40000"/>
+                    </a:schemeClr>
+                  </a:outerShdw>
+                </a:effectLst>
+              </a:rPr>
+              <a:t>Revenue</a:t>
+            </a:r>
+            <a:endParaRPr lang="en-US" sz="5400" b="0" cap="none" spc="0" dirty="0">
+              <a:ln w="0"/>
+              <a:solidFill>
+                <a:schemeClr val="tx1"/>
+              </a:solidFill>
+              <a:effectLst>
+                <a:outerShdw blurRad="38100" dist="19050" dir="2700000" algn="tl" rotWithShape="0">
+                  <a:schemeClr val="dk1">
+                    <a:alpha val="40000"/>
+                  </a:schemeClr>
+                </a:outerShdw>
+              </a:effectLst>
+            </a:endParaRPr>
+          </a:p>
+        </p:txBody>
+      </p:sp>
+    </p:spTree>
+    <p:extLst>
+      <p:ext uri="{BB962C8B-B14F-4D97-AF65-F5344CB8AC3E}">
+        <p14:creationId xmlns:p14="http://schemas.microsoft.com/office/powerpoint/2010/main" val="49801935"/>
+      </p:ext>
+    </p:extLst>
+  </p:cSld>
+  <p:clrMapOvr>
+    <a:masterClrMapping/>
+  </p:clrMapOvr>
+</p:sld>
+</file>
+
+<file path=ppt/slides/slide24.xml><?xml version="1.0" encoding="utf-8"?>
+<p:sld xmlns:a="http://schemas.openxmlformats.org/drawingml/2006/main" xmlns:r="http://schemas.openxmlformats.org/officeDocument/2006/relationships" xmlns:p="http://schemas.openxmlformats.org/presentationml/2006/main">
+  <p:cSld>
+    <p:bg>
+      <p:bgPr>
+        <a:blipFill>
+          <a:blip r:embed="rId2"/>
+          <a:tile tx="0" ty="0" sx="100000" sy="100000" flip="none" algn="tl"/>
+        </a:blipFill>
+        <a:effectLst/>
+      </p:bgPr>
+    </p:bg>
     <p:spTree>
       <p:nvGrpSpPr>
         <p:cNvPr id="1" name=""/>
@@ -27625,15 +27811,95 @@
           <p:nvPr/>
         </p:nvPicPr>
         <p:blipFill>
-          <a:blip r:embed="rId2"/>
+          <a:blip r:embed="rId3"/>
           <a:stretch>
             <a:fillRect/>
           </a:stretch>
         </p:blipFill>
         <p:spPr>
           <a:xfrm>
-            <a:off x="1390650" y="833437"/>
-            <a:ext cx="9410700" cy="5191125"/>
+            <a:off x="3705225" y="1666875"/>
+            <a:ext cx="8486775" cy="5191125"/>
+          </a:xfrm>
+          <a:prstGeom prst="rect">
+            <a:avLst/>
+          </a:prstGeom>
+        </p:spPr>
+      </p:pic>
+      <p:sp>
+        <p:nvSpPr>
+          <p:cNvPr id="3" name="TextBox 2"/>
+          <p:cNvSpPr txBox="1"/>
+          <p:nvPr/>
+        </p:nvSpPr>
+        <p:spPr>
+          <a:xfrm>
+            <a:off x="342900" y="2124075"/>
+            <a:ext cx="3143250" cy="369332"/>
+          </a:xfrm>
+          <a:prstGeom prst="rect">
+            <a:avLst/>
+          </a:prstGeom>
+          <a:noFill/>
+        </p:spPr>
+        <p:txBody>
+          <a:bodyPr wrap="square" rtlCol="0">
+            <a:spAutoFit/>
+          </a:bodyPr>
+          <a:lstStyle/>
+          <a:p>
+            <a:r>
+              <a:rPr lang="en-US" dirty="0" smtClean="0"/>
+              <a:t>Total Revenue = 19,647,981</a:t>
+            </a:r>
+            <a:endParaRPr lang="en-US" dirty="0"/>
+          </a:p>
+        </p:txBody>
+      </p:sp>
+      <p:sp>
+        <p:nvSpPr>
+          <p:cNvPr id="4" name="TextBox 3"/>
+          <p:cNvSpPr txBox="1"/>
+          <p:nvPr/>
+        </p:nvSpPr>
+        <p:spPr>
+          <a:xfrm>
+            <a:off x="342900" y="2743200"/>
+            <a:ext cx="3000375" cy="3352800"/>
+          </a:xfrm>
+          <a:prstGeom prst="rect">
+            <a:avLst/>
+          </a:prstGeom>
+          <a:noFill/>
+        </p:spPr>
+        <p:txBody>
+          <a:bodyPr wrap="square" rtlCol="0">
+            <a:spAutoFit/>
+          </a:bodyPr>
+          <a:lstStyle/>
+          <a:p>
+            <a:endParaRPr lang="en-US" dirty="0"/>
+          </a:p>
+        </p:txBody>
+      </p:sp>
+      <p:pic>
+        <p:nvPicPr>
+          <p:cNvPr id="5" name="Picture 4"/>
+          <p:cNvPicPr>
+            <a:picLocks noChangeAspect="1"/>
+          </p:cNvPicPr>
+          <p:nvPr/>
+        </p:nvPicPr>
+        <p:blipFill>
+          <a:blip r:embed="rId4"/>
+          <a:stretch>
+            <a:fillRect/>
+          </a:stretch>
+        </p:blipFill>
+        <p:spPr>
+          <a:xfrm>
+            <a:off x="47624" y="2600325"/>
+            <a:ext cx="3590925" cy="4257675"/>
           </a:xfrm>
           <a:prstGeom prst="rect">
             <a:avLst/>
@@ -27653,9 +27919,18 @@
 </p:sld>
 </file>
 
-<file path=ppt/slides/slide24.xml><?xml version="1.0" encoding="utf-8"?>
+<file path=ppt/slides/slide25.xml><?xml version="1.0" encoding="utf-8"?>
 <p:sld xmlns:a="http://schemas.openxmlformats.org/drawingml/2006/main" xmlns:r="http://schemas.openxmlformats.org/officeDocument/2006/relationships" xmlns:p="http://schemas.openxmlformats.org/presentationml/2006/main">
   <p:cSld>
+    <p:bg>
+      <p:bgPr>
+        <a:blipFill>
+          <a:blip r:embed="rId2"/>
+          <a:tile tx="0" ty="0" sx="100000" sy="100000" flip="none" algn="tl"/>
+        </a:blipFill>
+        <a:effectLst/>
+      </p:bgPr>
+    </p:bg>
     <p:spTree>
       <p:nvGrpSpPr>
         <p:cNvPr id="1" name=""/>
@@ -27679,15 +27954,15 @@
           <p:nvPr/>
         </p:nvPicPr>
         <p:blipFill>
-          <a:blip r:embed="rId2"/>
+          <a:blip r:embed="rId3"/>
           <a:stretch>
             <a:fillRect/>
           </a:stretch>
         </p:blipFill>
         <p:spPr>
           <a:xfrm>
-            <a:off x="1390650" y="833437"/>
-            <a:ext cx="9410700" cy="5191125"/>
+            <a:off x="190500" y="400050"/>
+            <a:ext cx="11925299" cy="6457949"/>
           </a:xfrm>
           <a:prstGeom prst="rect">
             <a:avLst/>
@@ -27697,7 +27972,7 @@
     </p:spTree>
     <p:extLst>
       <p:ext uri="{BB962C8B-B14F-4D97-AF65-F5344CB8AC3E}">
-        <p14:creationId xmlns:p14="http://schemas.microsoft.com/office/powerpoint/2010/main" val="2636049287"/>
+        <p14:creationId xmlns:p14="http://schemas.microsoft.com/office/powerpoint/2010/main" val="1555554280"/>
       </p:ext>
     </p:extLst>
   </p:cSld>
@@ -27707,9 +27982,18 @@
 </p:sld>
 </file>
 
-<file path=ppt/slides/slide25.xml><?xml version="1.0" encoding="utf-8"?>
+<file path=ppt/slides/slide26.xml><?xml version="1.0" encoding="utf-8"?>
 <p:sld xmlns:a="http://schemas.openxmlformats.org/drawingml/2006/main" xmlns:r="http://schemas.openxmlformats.org/officeDocument/2006/relationships" xmlns:p="http://schemas.openxmlformats.org/presentationml/2006/main">
   <p:cSld>
+    <p:bg>
+      <p:bgPr>
+        <a:blipFill>
+          <a:blip r:embed="rId2"/>
+          <a:tile tx="0" ty="0" sx="100000" sy="100000" flip="none" algn="tl"/>
+        </a:blipFill>
+        <a:effectLst/>
+      </p:bgPr>
+    </p:bg>
     <p:spTree>
       <p:nvGrpSpPr>
         <p:cNvPr id="1" name=""/>
@@ -27733,15 +28017,15 @@
           <p:nvPr/>
         </p:nvPicPr>
         <p:blipFill>
-          <a:blip r:embed="rId2"/>
+          <a:blip r:embed="rId3"/>
           <a:stretch>
             <a:fillRect/>
           </a:stretch>
         </p:blipFill>
         <p:spPr>
           <a:xfrm>
-            <a:off x="1328737" y="833437"/>
-            <a:ext cx="9534525" cy="5191125"/>
+            <a:off x="400050" y="333375"/>
+            <a:ext cx="11401425" cy="6048375"/>
           </a:xfrm>
           <a:prstGeom prst="rect">
             <a:avLst/>
@@ -27751,7 +28035,7 @@
     </p:spTree>
     <p:extLst>
       <p:ext uri="{BB962C8B-B14F-4D97-AF65-F5344CB8AC3E}">
-        <p14:creationId xmlns:p14="http://schemas.microsoft.com/office/powerpoint/2010/main" val="4250279464"/>
+        <p14:creationId xmlns:p14="http://schemas.microsoft.com/office/powerpoint/2010/main" val="1547061356"/>
       </p:ext>
     </p:extLst>
   </p:cSld>
@@ -27761,9 +28045,18 @@
 </p:sld>
 </file>
 
-<file path=ppt/slides/slide26.xml><?xml version="1.0" encoding="utf-8"?>
+<file path=ppt/slides/slide27.xml><?xml version="1.0" encoding="utf-8"?>
 <p:sld xmlns:a="http://schemas.openxmlformats.org/drawingml/2006/main" xmlns:r="http://schemas.openxmlformats.org/officeDocument/2006/relationships" xmlns:p="http://schemas.openxmlformats.org/presentationml/2006/main">
   <p:cSld>
+    <p:bg>
+      <p:bgPr>
+        <a:blipFill>
+          <a:blip r:embed="rId2"/>
+          <a:tile tx="0" ty="0" sx="100000" sy="100000" flip="none" algn="tl"/>
+        </a:blipFill>
+        <a:effectLst/>
+      </p:bgPr>
+    </p:bg>
     <p:spTree>
       <p:nvGrpSpPr>
         <p:cNvPr id="1" name=""/>
@@ -27786,7 +28079,98 @@
         </p:nvSpPr>
         <p:spPr>
           <a:xfrm>
-            <a:off x="7170058" y="2364379"/>
+            <a:off x="2744715" y="2129135"/>
+            <a:ext cx="6380235" cy="1200329"/>
+          </a:xfrm>
+          <a:prstGeom prst="rect">
+            <a:avLst/>
+          </a:prstGeom>
+          <a:noFill/>
+        </p:spPr>
+        <p:txBody>
+          <a:bodyPr wrap="square" lIns="91440" tIns="45720" rIns="91440" bIns="45720">
+            <a:spAutoFit/>
+          </a:bodyPr>
+          <a:lstStyle/>
+          <a:p>
+            <a:pPr algn="ctr"/>
+            <a:r>
+              <a:rPr lang="en-US" sz="7200" dirty="0" smtClean="0">
+                <a:ln w="0"/>
+                <a:effectLst>
+                  <a:outerShdw blurRad="38100" dist="19050" dir="2700000" algn="tl" rotWithShape="0">
+                    <a:schemeClr val="dk1">
+                      <a:alpha val="40000"/>
+                    </a:schemeClr>
+                  </a:outerShdw>
+                </a:effectLst>
+              </a:rPr>
+              <a:t>Cancellations</a:t>
+            </a:r>
+            <a:endParaRPr lang="en-US" sz="7200" b="0" cap="none" spc="0" dirty="0">
+              <a:ln w="0"/>
+              <a:solidFill>
+                <a:schemeClr val="tx1"/>
+              </a:solidFill>
+              <a:effectLst>
+                <a:outerShdw blurRad="38100" dist="19050" dir="2700000" algn="tl" rotWithShape="0">
+                  <a:schemeClr val="dk1">
+                    <a:alpha val="40000"/>
+                  </a:schemeClr>
+                </a:outerShdw>
+              </a:effectLst>
+            </a:endParaRPr>
+          </a:p>
+        </p:txBody>
+      </p:sp>
+    </p:spTree>
+    <p:extLst>
+      <p:ext uri="{BB962C8B-B14F-4D97-AF65-F5344CB8AC3E}">
+        <p14:creationId xmlns:p14="http://schemas.microsoft.com/office/powerpoint/2010/main" val="1464141990"/>
+      </p:ext>
+    </p:extLst>
+  </p:cSld>
+  <p:clrMapOvr>
+    <a:masterClrMapping/>
+  </p:clrMapOvr>
+</p:sld>
+</file>
+
+<file path=ppt/slides/slide28.xml><?xml version="1.0" encoding="utf-8"?>
+<p:sld xmlns:a="http://schemas.openxmlformats.org/drawingml/2006/main" xmlns:r="http://schemas.openxmlformats.org/officeDocument/2006/relationships" xmlns:p="http://schemas.openxmlformats.org/presentationml/2006/main">
+  <p:cSld>
+    <p:bg>
+      <p:bgPr>
+        <a:blipFill>
+          <a:blip r:embed="rId2"/>
+          <a:tile tx="0" ty="0" sx="100000" sy="100000" flip="none" algn="tl"/>
+        </a:blipFill>
+        <a:effectLst/>
+      </p:bgPr>
+    </p:bg>
+    <p:spTree>
+      <p:nvGrpSpPr>
+        <p:cNvPr id="1" name=""/>
+        <p:cNvGrpSpPr/>
+        <p:nvPr/>
+      </p:nvGrpSpPr>
+      <p:grpSpPr>
+        <a:xfrm>
+          <a:off x="0" y="0"/>
+          <a:ext cx="0" cy="0"/>
+          <a:chOff x="0" y="0"/>
+          <a:chExt cx="0" cy="0"/>
+        </a:xfrm>
+      </p:grpSpPr>
+      <p:sp>
+        <p:nvSpPr>
+          <p:cNvPr id="2" name="Rectangle 1"/>
+          <p:cNvSpPr/>
+          <p:nvPr/>
+        </p:nvSpPr>
+        <p:spPr>
+          <a:xfrm>
+            <a:off x="0" y="2583454"/>
             <a:ext cx="4891313" cy="1200329"/>
           </a:xfrm>
           <a:prstGeom prst="rect">
@@ -27967,14 +28351,14 @@
           <p:nvPr/>
         </p:nvPicPr>
         <p:blipFill>
-          <a:blip r:embed="rId2"/>
+          <a:blip r:embed="rId3"/>
           <a:stretch>
             <a:fillRect/>
           </a:stretch>
         </p:blipFill>
         <p:spPr>
           <a:xfrm>
-            <a:off x="217714" y="581144"/>
+            <a:off x="5413828" y="800219"/>
             <a:ext cx="6778172" cy="4766797"/>
           </a:xfrm>
           <a:prstGeom prst="rect">
@@ -27995,63 +28379,18 @@
 </p:sld>
 </file>
 
-<file path=ppt/slides/slide27.xml><?xml version="1.0" encoding="utf-8"?>
+<file path=ppt/slides/slide29.xml><?xml version="1.0" encoding="utf-8"?>
 <p:sld xmlns:a="http://schemas.openxmlformats.org/drawingml/2006/main" xmlns:r="http://schemas.openxmlformats.org/officeDocument/2006/relationships" xmlns:p="http://schemas.openxmlformats.org/presentationml/2006/main">
   <p:cSld>
-    <p:spTree>
-      <p:nvGrpSpPr>
-        <p:cNvPr id="1" name=""/>
-        <p:cNvGrpSpPr/>
-        <p:nvPr/>
-      </p:nvGrpSpPr>
-      <p:grpSpPr>
-        <a:xfrm>
-          <a:off x="0" y="0"/>
-          <a:ext cx="0" cy="0"/>
-          <a:chOff x="0" y="0"/>
-          <a:chExt cx="0" cy="0"/>
-        </a:xfrm>
-      </p:grpSpPr>
-      <p:pic>
-        <p:nvPicPr>
-          <p:cNvPr id="3" name="Picture 2"/>
-          <p:cNvPicPr>
-            <a:picLocks noChangeAspect="1"/>
-          </p:cNvPicPr>
-          <p:nvPr/>
-        </p:nvPicPr>
-        <p:blipFill>
+    <p:bg>
+      <p:bgPr>
+        <a:blipFill>
           <a:blip r:embed="rId2"/>
-          <a:stretch>
-            <a:fillRect/>
-          </a:stretch>
-        </p:blipFill>
-        <p:spPr>
-          <a:xfrm>
-            <a:off x="0" y="116114"/>
-            <a:ext cx="12192000" cy="6641873"/>
-          </a:xfrm>
-          <a:prstGeom prst="rect">
-            <a:avLst/>
-          </a:prstGeom>
-        </p:spPr>
-      </p:pic>
-    </p:spTree>
-    <p:extLst>
-      <p:ext uri="{BB962C8B-B14F-4D97-AF65-F5344CB8AC3E}">
-        <p14:creationId xmlns:p14="http://schemas.microsoft.com/office/powerpoint/2010/main" val="1555554280"/>
-      </p:ext>
-    </p:extLst>
-  </p:cSld>
-  <p:clrMapOvr>
-    <a:masterClrMapping/>
-  </p:clrMapOvr>
-</p:sld>
-</file>
-
-<file path=ppt/slides/slide28.xml><?xml version="1.0" encoding="utf-8"?>
-<p:sld xmlns:a="http://schemas.openxmlformats.org/drawingml/2006/main" xmlns:r="http://schemas.openxmlformats.org/officeDocument/2006/relationships" xmlns:p="http://schemas.openxmlformats.org/presentationml/2006/main">
-  <p:cSld>
+          <a:tile tx="0" ty="0" sx="100000" sy="100000" flip="none" algn="tl"/>
+        </a:blipFill>
+        <a:effectLst/>
+      </p:bgPr>
+    </p:bg>
     <p:spTree>
       <p:nvGrpSpPr>
         <p:cNvPr id="1" name=""/>
@@ -28075,75 +28414,132 @@
           <p:nvPr/>
         </p:nvPicPr>
         <p:blipFill>
-          <a:blip r:embed="rId2"/>
+          <a:blip r:embed="rId3"/>
           <a:stretch>
             <a:fillRect/>
           </a:stretch>
         </p:blipFill>
         <p:spPr>
           <a:xfrm>
-            <a:off x="217714" y="100012"/>
-            <a:ext cx="11974285" cy="6657975"/>
+            <a:off x="6381751" y="2244790"/>
+            <a:ext cx="5810250" cy="4613210"/>
           </a:xfrm>
           <a:prstGeom prst="rect">
             <a:avLst/>
           </a:prstGeom>
         </p:spPr>
       </p:pic>
-    </p:spTree>
-    <p:extLst>
-      <p:ext uri="{BB962C8B-B14F-4D97-AF65-F5344CB8AC3E}">
-        <p14:creationId xmlns:p14="http://schemas.microsoft.com/office/powerpoint/2010/main" val="1547061356"/>
-      </p:ext>
-    </p:extLst>
-  </p:cSld>
-  <p:clrMapOvr>
-    <a:masterClrMapping/>
-  </p:clrMapOvr>
-</p:sld>
-</file>
-
-<file path=ppt/slides/slide29.xml><?xml version="1.0" encoding="utf-8"?>
-<p:sld xmlns:a="http://schemas.openxmlformats.org/drawingml/2006/main" xmlns:r="http://schemas.openxmlformats.org/officeDocument/2006/relationships" xmlns:p="http://schemas.openxmlformats.org/presentationml/2006/main">
-  <p:cSld>
-    <p:spTree>
-      <p:nvGrpSpPr>
-        <p:cNvPr id="1" name=""/>
-        <p:cNvGrpSpPr/>
-        <p:nvPr/>
-      </p:nvGrpSpPr>
-      <p:grpSpPr>
-        <a:xfrm>
-          <a:off x="0" y="0"/>
-          <a:ext cx="0" cy="0"/>
-          <a:chOff x="0" y="0"/>
-          <a:chExt cx="0" cy="0"/>
-        </a:xfrm>
-      </p:grpSpPr>
       <p:pic>
         <p:nvPicPr>
-          <p:cNvPr id="2" name="Picture 1"/>
+          <p:cNvPr id="4" name="Picture 3"/>
           <p:cNvPicPr>
             <a:picLocks noChangeAspect="1"/>
           </p:cNvPicPr>
           <p:nvPr/>
         </p:nvPicPr>
         <p:blipFill>
-          <a:blip r:embed="rId2"/>
+          <a:blip r:embed="rId4"/>
           <a:stretch>
             <a:fillRect/>
           </a:stretch>
         </p:blipFill>
         <p:spPr>
           <a:xfrm>
-            <a:off x="304800" y="130630"/>
-            <a:ext cx="11756571" cy="6458856"/>
+            <a:off x="0" y="2244790"/>
+            <a:ext cx="6381750" cy="4613210"/>
           </a:xfrm>
           <a:prstGeom prst="rect">
             <a:avLst/>
           </a:prstGeom>
         </p:spPr>
       </p:pic>
+      <p:sp>
+        <p:nvSpPr>
+          <p:cNvPr id="5" name="Rectangle 4"/>
+          <p:cNvSpPr/>
+          <p:nvPr/>
+        </p:nvSpPr>
+        <p:spPr>
+          <a:xfrm>
+            <a:off x="76200" y="138410"/>
+            <a:ext cx="12191999" cy="1754326"/>
+          </a:xfrm>
+          <a:prstGeom prst="rect">
+            <a:avLst/>
+          </a:prstGeom>
+          <a:noFill/>
+        </p:spPr>
+        <p:txBody>
+          <a:bodyPr wrap="square" lIns="91440" tIns="45720" rIns="91440" bIns="45720">
+            <a:spAutoFit/>
+          </a:bodyPr>
+          <a:lstStyle/>
+          <a:p>
+            <a:pPr algn="ctr"/>
+            <a:r>
+              <a:rPr lang="en-US" sz="3600" dirty="0" smtClean="0">
+                <a:ln w="0"/>
+                <a:effectLst>
+                  <a:outerShdw blurRad="38100" dist="19050" dir="2700000" algn="tl" rotWithShape="0">
+                    <a:schemeClr val="dk1">
+                      <a:alpha val="40000"/>
+                    </a:schemeClr>
+                  </a:outerShdw>
+                </a:effectLst>
+              </a:rPr>
+              <a:t>Cancellation by Market Segment</a:t>
+            </a:r>
+          </a:p>
+          <a:p>
+            <a:pPr algn="ctr"/>
+            <a:r>
+              <a:rPr lang="en-US" sz="3600" b="0" cap="none" spc="0" dirty="0" smtClean="0">
+                <a:ln w="0"/>
+                <a:solidFill>
+                  <a:schemeClr val="tx1"/>
+                </a:solidFill>
+                <a:effectLst>
+                  <a:outerShdw blurRad="38100" dist="19050" dir="2700000" algn="tl" rotWithShape="0">
+                    <a:schemeClr val="dk1">
+                      <a:alpha val="40000"/>
+                    </a:schemeClr>
+                  </a:outerShdw>
+                </a:effectLst>
+              </a:rPr>
+              <a:t>And </a:t>
+            </a:r>
+          </a:p>
+          <a:p>
+            <a:pPr algn="ctr"/>
+            <a:r>
+              <a:rPr lang="en-US" sz="3600" dirty="0" smtClean="0">
+                <a:ln w="0"/>
+                <a:effectLst>
+                  <a:outerShdw blurRad="38100" dist="19050" dir="2700000" algn="tl" rotWithShape="0">
+                    <a:schemeClr val="dk1">
+                      <a:alpha val="40000"/>
+                    </a:schemeClr>
+                  </a:outerShdw>
+                </a:effectLst>
+              </a:rPr>
+              <a:t>Revenue share</a:t>
+            </a:r>
+            <a:endParaRPr lang="en-US" sz="3600" b="0" cap="none" spc="0" dirty="0">
+              <a:ln w="0"/>
+              <a:solidFill>
+                <a:schemeClr val="tx1"/>
+              </a:solidFill>
+              <a:effectLst>
+                <a:outerShdw blurRad="38100" dist="19050" dir="2700000" algn="tl" rotWithShape="0">
+                  <a:schemeClr val="dk1">
+                    <a:alpha val="40000"/>
+                  </a:schemeClr>
+                </a:outerShdw>
+              </a:effectLst>
+            </a:endParaRPr>
+          </a:p>
+        </p:txBody>
+      </p:sp>
     </p:spTree>
     <p:extLst>
       <p:ext uri="{BB962C8B-B14F-4D97-AF65-F5344CB8AC3E}">
@@ -28190,7 +28586,7 @@
                 <a16:creationId xmlns:a16="http://schemas.microsoft.com/office/drawing/2014/main" id="{7DA3C418-758E-4180-A5D0-8655D6804587}"/>
               </a:ext>
               <a:ext uri="{C183D7F6-B498-43B3-948B-1728B52AA6E4}">
-                <adec:decorative xmlns:adec="http://schemas.microsoft.com/office/drawing/2017/decorative" val="1"/>
+                <adec:decorative xmlns:adec="http://schemas.microsoft.com/office/drawing/2017/decorative" xmlns="" val="1"/>
               </a:ext>
             </a:extLst>
           </p:cNvPr>
@@ -28266,7 +28662,7 @@
                 <a16:creationId xmlns:a16="http://schemas.microsoft.com/office/drawing/2014/main" id="{28C8EF06-5EC3-4883-AFAF-D74FF46550FB}"/>
               </a:ext>
               <a:ext uri="{C183D7F6-B498-43B3-948B-1728B52AA6E4}">
-                <adec:decorative xmlns:adec="http://schemas.microsoft.com/office/drawing/2017/decorative" val="1"/>
+                <adec:decorative xmlns:adec="http://schemas.microsoft.com/office/drawing/2017/decorative" xmlns="" val="1"/>
               </a:ext>
             </a:extLst>
           </p:cNvPr>
@@ -28920,6 +29316,15 @@
 <file path=ppt/slides/slide30.xml><?xml version="1.0" encoding="utf-8"?>
 <p:sld xmlns:a="http://schemas.openxmlformats.org/drawingml/2006/main" xmlns:r="http://schemas.openxmlformats.org/officeDocument/2006/relationships" xmlns:p="http://schemas.openxmlformats.org/presentationml/2006/main">
   <p:cSld>
+    <p:bg>
+      <p:bgPr>
+        <a:blipFill>
+          <a:blip r:embed="rId2"/>
+          <a:tile tx="0" ty="0" sx="100000" sy="100000" flip="none" algn="tl"/>
+        </a:blipFill>
+        <a:effectLst/>
+      </p:bgPr>
+    </p:bg>
     <p:spTree>
       <p:nvGrpSpPr>
         <p:cNvPr id="1" name=""/>
@@ -28943,25 +29348,136 @@
           <p:nvPr/>
         </p:nvPicPr>
         <p:blipFill>
-          <a:blip r:embed="rId2"/>
+          <a:blip r:embed="rId3"/>
           <a:stretch>
             <a:fillRect/>
           </a:stretch>
         </p:blipFill>
         <p:spPr>
           <a:xfrm>
-            <a:off x="0" y="101600"/>
-            <a:ext cx="12192000" cy="6756400"/>
+            <a:off x="0" y="2178115"/>
+            <a:ext cx="6705600" cy="4679885"/>
           </a:xfrm>
           <a:prstGeom prst="rect">
             <a:avLst/>
           </a:prstGeom>
         </p:spPr>
       </p:pic>
+      <p:pic>
+        <p:nvPicPr>
+          <p:cNvPr id="4" name="Picture 3"/>
+          <p:cNvPicPr>
+            <a:picLocks noChangeAspect="1"/>
+          </p:cNvPicPr>
+          <p:nvPr/>
+        </p:nvPicPr>
+        <p:blipFill>
+          <a:blip r:embed="rId4"/>
+          <a:stretch>
+            <a:fillRect/>
+          </a:stretch>
+        </p:blipFill>
+        <p:spPr>
+          <a:xfrm>
+            <a:off x="6705601" y="2178114"/>
+            <a:ext cx="5486400" cy="4679886"/>
+          </a:xfrm>
+          <a:prstGeom prst="rect">
+            <a:avLst/>
+          </a:prstGeom>
+        </p:spPr>
+      </p:pic>
+      <p:sp>
+        <p:nvSpPr>
+          <p:cNvPr id="5" name="Rectangle 4"/>
+          <p:cNvSpPr/>
+          <p:nvPr/>
+        </p:nvSpPr>
+        <p:spPr>
+          <a:xfrm>
+            <a:off x="76200" y="138410"/>
+            <a:ext cx="12191999" cy="1754326"/>
+          </a:xfrm>
+          <a:prstGeom prst="rect">
+            <a:avLst/>
+          </a:prstGeom>
+          <a:noFill/>
+        </p:spPr>
+        <p:txBody>
+          <a:bodyPr wrap="square" lIns="91440" tIns="45720" rIns="91440" bIns="45720">
+            <a:spAutoFit/>
+          </a:bodyPr>
+          <a:lstStyle/>
+          <a:p>
+            <a:pPr algn="ctr"/>
+            <a:r>
+              <a:rPr lang="en-US" sz="3600" dirty="0" smtClean="0">
+                <a:ln w="0"/>
+                <a:effectLst>
+                  <a:outerShdw blurRad="38100" dist="19050" dir="2700000" algn="tl" rotWithShape="0">
+                    <a:schemeClr val="dk1">
+                      <a:alpha val="40000"/>
+                    </a:schemeClr>
+                  </a:outerShdw>
+                </a:effectLst>
+              </a:rPr>
+              <a:t>Cancellation by Market Segment</a:t>
+            </a:r>
+          </a:p>
+          <a:p>
+            <a:pPr algn="ctr"/>
+            <a:r>
+              <a:rPr lang="en-US" sz="3600" b="0" cap="none" spc="0" dirty="0" smtClean="0">
+                <a:ln w="0"/>
+                <a:solidFill>
+                  <a:schemeClr val="tx1"/>
+                </a:solidFill>
+                <a:effectLst>
+                  <a:outerShdw blurRad="38100" dist="19050" dir="2700000" algn="tl" rotWithShape="0">
+                    <a:schemeClr val="dk1">
+                      <a:alpha val="40000"/>
+                    </a:schemeClr>
+                  </a:outerShdw>
+                </a:effectLst>
+              </a:rPr>
+              <a:t>And </a:t>
+            </a:r>
+          </a:p>
+          <a:p>
+            <a:pPr algn="ctr"/>
+            <a:r>
+              <a:rPr lang="en-US" sz="3600" dirty="0" smtClean="0">
+                <a:ln w="0"/>
+                <a:effectLst>
+                  <a:outerShdw blurRad="38100" dist="19050" dir="2700000" algn="tl" rotWithShape="0">
+                    <a:schemeClr val="dk1">
+                      <a:alpha val="40000"/>
+                    </a:schemeClr>
+                  </a:outerShdw>
+                </a:effectLst>
+              </a:rPr>
+              <a:t>Revenue share</a:t>
+            </a:r>
+            <a:endParaRPr lang="en-US" sz="3600" b="0" cap="none" spc="0" dirty="0">
+              <a:ln w="0"/>
+              <a:solidFill>
+                <a:schemeClr val="tx1"/>
+              </a:solidFill>
+              <a:effectLst>
+                <a:outerShdw blurRad="38100" dist="19050" dir="2700000" algn="tl" rotWithShape="0">
+                  <a:schemeClr val="dk1">
+                    <a:alpha val="40000"/>
+                  </a:schemeClr>
+                </a:outerShdw>
+              </a:effectLst>
+            </a:endParaRPr>
+          </a:p>
+        </p:txBody>
+      </p:sp>
     </p:spTree>
     <p:extLst>
       <p:ext uri="{BB962C8B-B14F-4D97-AF65-F5344CB8AC3E}">
-        <p14:creationId xmlns:p14="http://schemas.microsoft.com/office/powerpoint/2010/main" val="3391350016"/>
+        <p14:creationId xmlns:p14="http://schemas.microsoft.com/office/powerpoint/2010/main" val="2637963"/>
       </p:ext>
     </p:extLst>
   </p:cSld>
@@ -28974,6 +29490,15 @@
 <file path=ppt/slides/slide31.xml><?xml version="1.0" encoding="utf-8"?>
 <p:sld xmlns:a="http://schemas.openxmlformats.org/drawingml/2006/main" xmlns:r="http://schemas.openxmlformats.org/officeDocument/2006/relationships" xmlns:p="http://schemas.openxmlformats.org/presentationml/2006/main">
   <p:cSld>
+    <p:bg>
+      <p:bgPr>
+        <a:blipFill>
+          <a:blip r:embed="rId2"/>
+          <a:tile tx="0" ty="0" sx="100000" sy="100000" flip="none" algn="tl"/>
+        </a:blipFill>
+        <a:effectLst/>
+      </p:bgPr>
+    </p:bg>
     <p:spTree>
       <p:nvGrpSpPr>
         <p:cNvPr id="1" name=""/>
@@ -28997,7 +29522,7 @@
           <p:nvPr/>
         </p:nvPicPr>
         <p:blipFill>
-          <a:blip r:embed="rId2"/>
+          <a:blip r:embed="rId3"/>
           <a:stretch>
             <a:fillRect/>
           </a:stretch>
@@ -29028,6 +29553,15 @@
 <file path=ppt/slides/slide32.xml><?xml version="1.0" encoding="utf-8"?>
 <p:sld xmlns:a="http://schemas.openxmlformats.org/drawingml/2006/main" xmlns:r="http://schemas.openxmlformats.org/officeDocument/2006/relationships" xmlns:p="http://schemas.openxmlformats.org/presentationml/2006/main">
   <p:cSld>
+    <p:bg>
+      <p:bgPr>
+        <a:blipFill>
+          <a:blip r:embed="rId2"/>
+          <a:tile tx="0" ty="0" sx="100000" sy="100000" flip="none" algn="tl"/>
+        </a:blipFill>
+        <a:effectLst/>
+      </p:bgPr>
+    </p:bg>
     <p:spTree>
       <p:nvGrpSpPr>
         <p:cNvPr id="1" name=""/>
@@ -29051,7 +29585,7 @@
           <p:nvPr/>
         </p:nvPicPr>
         <p:blipFill>
-          <a:blip r:embed="rId2"/>
+          <a:blip r:embed="rId3"/>
           <a:stretch>
             <a:fillRect/>
           </a:stretch>
@@ -29080,114 +29614,6 @@
 </file>
 
 <file path=ppt/slides/slide33.xml><?xml version="1.0" encoding="utf-8"?>
-<p:sld xmlns:a="http://schemas.openxmlformats.org/drawingml/2006/main" xmlns:r="http://schemas.openxmlformats.org/officeDocument/2006/relationships" xmlns:p="http://schemas.openxmlformats.org/presentationml/2006/main">
-  <p:cSld>
-    <p:spTree>
-      <p:nvGrpSpPr>
-        <p:cNvPr id="1" name=""/>
-        <p:cNvGrpSpPr/>
-        <p:nvPr/>
-      </p:nvGrpSpPr>
-      <p:grpSpPr>
-        <a:xfrm>
-          <a:off x="0" y="0"/>
-          <a:ext cx="0" cy="0"/>
-          <a:chOff x="0" y="0"/>
-          <a:chExt cx="0" cy="0"/>
-        </a:xfrm>
-      </p:grpSpPr>
-      <p:pic>
-        <p:nvPicPr>
-          <p:cNvPr id="3" name="Picture 2"/>
-          <p:cNvPicPr>
-            <a:picLocks noChangeAspect="1"/>
-          </p:cNvPicPr>
-          <p:nvPr/>
-        </p:nvPicPr>
-        <p:blipFill>
-          <a:blip r:embed="rId2"/>
-          <a:stretch>
-            <a:fillRect/>
-          </a:stretch>
-        </p:blipFill>
-        <p:spPr>
-          <a:xfrm>
-            <a:off x="145143" y="0"/>
-            <a:ext cx="12177486" cy="6757987"/>
-          </a:xfrm>
-          <a:prstGeom prst="rect">
-            <a:avLst/>
-          </a:prstGeom>
-        </p:spPr>
-      </p:pic>
-    </p:spTree>
-    <p:extLst>
-      <p:ext uri="{BB962C8B-B14F-4D97-AF65-F5344CB8AC3E}">
-        <p14:creationId xmlns:p14="http://schemas.microsoft.com/office/powerpoint/2010/main" val="762947549"/>
-      </p:ext>
-    </p:extLst>
-  </p:cSld>
-  <p:clrMapOvr>
-    <a:masterClrMapping/>
-  </p:clrMapOvr>
-</p:sld>
-</file>
-
-<file path=ppt/slides/slide34.xml><?xml version="1.0" encoding="utf-8"?>
-<p:sld xmlns:a="http://schemas.openxmlformats.org/drawingml/2006/main" xmlns:r="http://schemas.openxmlformats.org/officeDocument/2006/relationships" xmlns:p="http://schemas.openxmlformats.org/presentationml/2006/main">
-  <p:cSld>
-    <p:spTree>
-      <p:nvGrpSpPr>
-        <p:cNvPr id="1" name=""/>
-        <p:cNvGrpSpPr/>
-        <p:nvPr/>
-      </p:nvGrpSpPr>
-      <p:grpSpPr>
-        <a:xfrm>
-          <a:off x="0" y="0"/>
-          <a:ext cx="0" cy="0"/>
-          <a:chOff x="0" y="0"/>
-          <a:chExt cx="0" cy="0"/>
-        </a:xfrm>
-      </p:grpSpPr>
-      <p:pic>
-        <p:nvPicPr>
-          <p:cNvPr id="2" name="Picture 1"/>
-          <p:cNvPicPr>
-            <a:picLocks noChangeAspect="1"/>
-          </p:cNvPicPr>
-          <p:nvPr/>
-        </p:nvPicPr>
-        <p:blipFill>
-          <a:blip r:embed="rId2"/>
-          <a:stretch>
-            <a:fillRect/>
-          </a:stretch>
-        </p:blipFill>
-        <p:spPr>
-          <a:xfrm>
-            <a:off x="145143" y="70984"/>
-            <a:ext cx="12046857" cy="6657975"/>
-          </a:xfrm>
-          <a:prstGeom prst="rect">
-            <a:avLst/>
-          </a:prstGeom>
-        </p:spPr>
-      </p:pic>
-    </p:spTree>
-    <p:extLst>
-      <p:ext uri="{BB962C8B-B14F-4D97-AF65-F5344CB8AC3E}">
-        <p14:creationId xmlns:p14="http://schemas.microsoft.com/office/powerpoint/2010/main" val="2637963"/>
-      </p:ext>
-    </p:extLst>
-  </p:cSld>
-  <p:clrMapOvr>
-    <a:masterClrMapping/>
-  </p:clrMapOvr>
-</p:sld>
-</file>
-
-<file path=ppt/slides/slide35.xml><?xml version="1.0" encoding="utf-8"?>
 <p:sld xmlns:a="http://schemas.openxmlformats.org/drawingml/2006/main" xmlns:r="http://schemas.openxmlformats.org/officeDocument/2006/relationships" xmlns:p="http://schemas.openxmlformats.org/presentationml/2006/main">
   <p:cSld>
     <p:bg>
@@ -29220,7 +29646,7 @@
                 <a16:creationId xmlns:a16="http://schemas.microsoft.com/office/drawing/2014/main" id="{9089EED9-F54D-4F20-A2C6-949DE4176959}"/>
               </a:ext>
               <a:ext uri="{C183D7F6-B498-43B3-948B-1728B52AA6E4}">
-                <adec:decorative xmlns:adec="http://schemas.microsoft.com/office/drawing/2017/decorative" val="1"/>
+                <adec:decorative xmlns:adec="http://schemas.microsoft.com/office/drawing/2017/decorative" xmlns="" val="1"/>
               </a:ext>
             </a:extLst>
           </p:cNvPr>
@@ -29296,7 +29722,7 @@
                 <a16:creationId xmlns:a16="http://schemas.microsoft.com/office/drawing/2014/main" id="{7E46F721-3785-414D-8697-16AF490E6806}"/>
               </a:ext>
               <a:ext uri="{C183D7F6-B498-43B3-948B-1728B52AA6E4}">
-                <adec:decorative xmlns:adec="http://schemas.microsoft.com/office/drawing/2017/decorative" val="1"/>
+                <adec:decorative xmlns:adec="http://schemas.microsoft.com/office/drawing/2017/decorative" xmlns="" val="1"/>
               </a:ext>
             </a:extLst>
           </p:cNvPr>
@@ -31361,7 +31787,7 @@
         </p:spPr>
         <p:txBody>
           <a:bodyPr vert="horz" lIns="91440" tIns="45720" rIns="91440" bIns="45720" rtlCol="0">
-            <a:normAutofit/>
+            <a:normAutofit lnSpcReduction="10000"/>
           </a:bodyPr>
           <a:lstStyle>
             <a:lvl1pPr marL="228600" indent="-228600" algn="l" defTabSz="914400" rtl="0" eaLnBrk="1" latinLnBrk="0" hangingPunct="1">
@@ -32667,7 +33093,7 @@
                 <a16:creationId xmlns:a16="http://schemas.microsoft.com/office/drawing/2014/main" id="{7DA3C418-758E-4180-A5D0-8655D6804587}"/>
               </a:ext>
               <a:ext uri="{C183D7F6-B498-43B3-948B-1728B52AA6E4}">
-                <adec:decorative xmlns:adec="http://schemas.microsoft.com/office/drawing/2017/decorative" val="1"/>
+                <adec:decorative xmlns:adec="http://schemas.microsoft.com/office/drawing/2017/decorative" xmlns="" val="1"/>
               </a:ext>
             </a:extLst>
           </p:cNvPr>
@@ -32743,7 +33169,7 @@
                 <a16:creationId xmlns:a16="http://schemas.microsoft.com/office/drawing/2014/main" id="{28C8EF06-5EC3-4883-AFAF-D74FF46550FB}"/>
               </a:ext>
               <a:ext uri="{C183D7F6-B498-43B3-948B-1728B52AA6E4}">
-                <adec:decorative xmlns:adec="http://schemas.microsoft.com/office/drawing/2017/decorative" val="1"/>
+                <adec:decorative xmlns:adec="http://schemas.microsoft.com/office/drawing/2017/decorative" xmlns="" val="1"/>
               </a:ext>
             </a:extLst>
           </p:cNvPr>
@@ -33355,6 +33781,17 @@
                 </a:solidFill>
               </a:rPr>
             </a:br>
+            <a:r>
+              <a:rPr lang="en-US" sz="3100">
+                <a:solidFill>
+                  <a:schemeClr val="tx1">
+                    <a:lumMod val="85000"/>
+                    <a:lumOff val="15000"/>
+                  </a:schemeClr>
+                </a:solidFill>
+              </a:rPr>
+              <a:t/>
+            </a:r>
             <a:br>
               <a:rPr lang="en-US" sz="3100">
                 <a:solidFill>
@@ -33365,6 +33802,17 @@
                 </a:solidFill>
               </a:rPr>
             </a:br>
+            <a:r>
+              <a:rPr lang="en-US" sz="3100">
+                <a:solidFill>
+                  <a:schemeClr val="tx1">
+                    <a:lumMod val="85000"/>
+                    <a:lumOff val="15000"/>
+                  </a:schemeClr>
+                </a:solidFill>
+              </a:rPr>
+              <a:t/>
+            </a:r>
             <a:br>
               <a:rPr lang="en-US" sz="3100">
                 <a:solidFill>
